--- a/04-DocumentObjectModel/DOM Excercises.pptx
+++ b/04-DocumentObjectModel/DOM Excercises.pptx
@@ -208,7 +208,7 @@
           <a:p>
             <a:fld id="{C106EF3D-C2A7-4690-80C8-C2473A856193}" type="datetimeFigureOut">
               <a:rPr lang="pl-PL" smtClean="0"/>
-              <a:t>2019-11-19</a:t>
+              <a:t>2019-11-23</a:t>
             </a:fld>
             <a:endParaRPr lang="pl-PL" dirty="0"/>
           </a:p>
@@ -373,7 +373,7 @@
           <a:p>
             <a:fld id="{85D68E81-03CD-43A1-B18B-BEB6B9439387}" type="datetimeFigureOut">
               <a:rPr lang="pl-PL" smtClean="0"/>
-              <a:t>2019-11-19</a:t>
+              <a:t>2019-11-23</a:t>
             </a:fld>
             <a:endParaRPr lang="pl-PL" dirty="0"/>
           </a:p>
@@ -1105,7 +1105,7 @@
           <a:p>
             <a:fld id="{F26B3061-B9B7-461F-AB67-5D66A3ABCDA5}" type="datetime1">
               <a:rPr lang="pl-PL" smtClean="0"/>
-              <a:t>2019-11-19</a:t>
+              <a:t>2019-11-23</a:t>
             </a:fld>
             <a:endParaRPr lang="pl-PL" dirty="0"/>
           </a:p>
@@ -1380,7 +1380,7 @@
           <a:p>
             <a:fld id="{A2ADAE54-1728-4B6D-BEF4-D2AEA4F8114E}" type="datetime1">
               <a:rPr lang="pl-PL" smtClean="0"/>
-              <a:t>2019-11-19</a:t>
+              <a:t>2019-11-23</a:t>
             </a:fld>
             <a:endParaRPr lang="pl-PL" dirty="0"/>
           </a:p>
@@ -1632,7 +1632,7 @@
           <a:p>
             <a:fld id="{919C3B4F-179D-44ED-90DF-E8739DC8608F}" type="datetime1">
               <a:rPr lang="pl-PL" smtClean="0"/>
-              <a:t>2019-11-19</a:t>
+              <a:t>2019-11-23</a:t>
             </a:fld>
             <a:endParaRPr lang="pl-PL" dirty="0"/>
           </a:p>
@@ -1800,7 +1800,7 @@
           <a:p>
             <a:fld id="{10A2297D-8C4B-4C5B-B66E-47E601842B03}" type="datetime1">
               <a:rPr lang="pl-PL" smtClean="0"/>
-              <a:t>2019-11-19</a:t>
+              <a:t>2019-11-23</a:t>
             </a:fld>
             <a:endParaRPr lang="pl-PL" dirty="0"/>
           </a:p>
@@ -1978,7 +1978,7 @@
           <a:p>
             <a:fld id="{94B42B50-113C-45E3-9231-B66C297B394E}" type="datetime1">
               <a:rPr lang="pl-PL" smtClean="0"/>
-              <a:t>2019-11-19</a:t>
+              <a:t>2019-11-23</a:t>
             </a:fld>
             <a:endParaRPr lang="pl-PL" dirty="0"/>
           </a:p>
@@ -2135,7 +2135,7 @@
           <a:p>
             <a:fld id="{9549FAE5-AB97-492F-ADAE-06E72624D9F3}" type="datetime1">
               <a:rPr lang="pl-PL" smtClean="0"/>
-              <a:t>2019-11-19</a:t>
+              <a:t>2019-11-23</a:t>
             </a:fld>
             <a:endParaRPr lang="pl-PL" dirty="0"/>
           </a:p>
@@ -2323,7 +2323,7 @@
           <a:p>
             <a:fld id="{9549FAE5-AB97-492F-ADAE-06E72624D9F3}" type="datetime1">
               <a:rPr lang="pl-PL" smtClean="0"/>
-              <a:t>2019-11-19</a:t>
+              <a:t>2019-11-23</a:t>
             </a:fld>
             <a:endParaRPr lang="pl-PL" dirty="0"/>
           </a:p>
@@ -2510,7 +2510,7 @@
           <a:p>
             <a:fld id="{9549FAE5-AB97-492F-ADAE-06E72624D9F3}" type="datetime1">
               <a:rPr lang="pl-PL" smtClean="0"/>
-              <a:t>2019-11-19</a:t>
+              <a:t>2019-11-23</a:t>
             </a:fld>
             <a:endParaRPr lang="pl-PL" dirty="0"/>
           </a:p>
@@ -2782,7 +2782,7 @@
           <a:p>
             <a:fld id="{ED0EDA0A-F020-4B01-AF63-E290248EFD6B}" type="datetime1">
               <a:rPr lang="pl-PL" smtClean="0"/>
-              <a:t>2019-11-19</a:t>
+              <a:t>2019-11-23</a:t>
             </a:fld>
             <a:endParaRPr lang="pl-PL" dirty="0"/>
           </a:p>
@@ -3038,7 +3038,7 @@
           <a:p>
             <a:fld id="{8B752FBA-2CC8-4F32-B36A-B6E16B4A5C14}" type="datetime1">
               <a:rPr lang="pl-PL" smtClean="0"/>
-              <a:t>2019-11-19</a:t>
+              <a:t>2019-11-23</a:t>
             </a:fld>
             <a:endParaRPr lang="pl-PL" dirty="0"/>
           </a:p>
@@ -3424,7 +3424,7 @@
           <a:p>
             <a:fld id="{3B7BA32A-B79B-42FE-906A-2593AD6A7FCC}" type="datetime1">
               <a:rPr lang="pl-PL" smtClean="0"/>
-              <a:t>2019-11-19</a:t>
+              <a:t>2019-11-23</a:t>
             </a:fld>
             <a:endParaRPr lang="pl-PL" dirty="0"/>
           </a:p>
@@ -3546,7 +3546,7 @@
           <a:p>
             <a:fld id="{3E28EDCB-CC2B-4C70-B921-DD5382BD4849}" type="datetime1">
               <a:rPr lang="pl-PL" smtClean="0"/>
-              <a:t>2019-11-19</a:t>
+              <a:t>2019-11-23</a:t>
             </a:fld>
             <a:endParaRPr lang="pl-PL" dirty="0"/>
           </a:p>
@@ -3641,7 +3641,7 @@
           <a:p>
             <a:fld id="{E960CF9B-2F8C-4614-93FE-75BD5748BF99}" type="datetime1">
               <a:rPr lang="pl-PL" smtClean="0"/>
-              <a:t>2019-11-19</a:t>
+              <a:t>2019-11-23</a:t>
             </a:fld>
             <a:endParaRPr lang="pl-PL" dirty="0"/>
           </a:p>
@@ -3857,7 +3857,7 @@
           <a:p>
             <a:fld id="{8F276EAB-4011-4C81-ACEC-B79731A9A244}" type="datetime1">
               <a:rPr lang="pl-PL" smtClean="0"/>
-              <a:t>2019-11-19</a:t>
+              <a:t>2019-11-23</a:t>
             </a:fld>
             <a:endParaRPr lang="pl-PL" dirty="0"/>
           </a:p>
@@ -4353,45 +4353,188 @@
         </p:nvSpPr>
         <p:spPr/>
         <p:txBody>
-          <a:bodyPr/>
+          <a:bodyPr>
+            <a:normAutofit/>
+          </a:bodyPr>
           <a:lstStyle/>
           <a:p>
             <a:r>
               <a:rPr lang="en-GB" dirty="0"/>
-              <a:t>Open the translate.html document.</a:t>
-            </a:r>
-          </a:p>
-          <a:p>
-            <a:r>
-              <a:rPr lang="en-GB" dirty="0"/>
-              <a:t>Create a JavaScript code to translate the English phrase to the Polish one.</a:t>
+              <a:t>Open the translate.html document</a:t>
+            </a:r>
+            <a:r>
+              <a:rPr lang="pl-PL" dirty="0"/>
+              <a:t> in </a:t>
+            </a:r>
+            <a:r>
+              <a:rPr lang="pl-PL" dirty="0" err="1"/>
+              <a:t>any</a:t>
+            </a:r>
+            <a:r>
+              <a:rPr lang="pl-PL" dirty="0"/>
+              <a:t> web </a:t>
+            </a:r>
+            <a:r>
+              <a:rPr lang="pl-PL" dirty="0" err="1"/>
+              <a:t>browser</a:t>
+            </a:r>
+            <a:r>
+              <a:rPr lang="pl-PL" dirty="0"/>
+              <a:t>. Then p</a:t>
+            </a:r>
+            <a:r>
+              <a:rPr lang="en-US" dirty="0" err="1"/>
+              <a:t>oint</a:t>
+            </a:r>
+            <a:r>
+              <a:rPr lang="en-US" dirty="0"/>
+              <a:t> your mouse at the displayed text. What happened to the text?</a:t>
+            </a:r>
+            <a:endParaRPr lang="en-GB" dirty="0"/>
+          </a:p>
+          <a:p>
+            <a:r>
+              <a:rPr lang="pl-PL" dirty="0"/>
+              <a:t>Open the translate.html in a </a:t>
+            </a:r>
+            <a:r>
+              <a:rPr lang="pl-PL" dirty="0" err="1"/>
+              <a:t>text</a:t>
             </a:r>
             <a:r>
               <a:rPr lang="pl-PL" dirty="0"/>
               <a:t> </a:t>
             </a:r>
-            <a:endParaRPr lang="en-GB" dirty="0"/>
-          </a:p>
-          <a:p>
-            <a:r>
-              <a:rPr lang="en-GB" dirty="0"/>
-              <a:t>When the user moves the mouse over the text, The English text is to be replaced with the Polish one.</a:t>
-            </a:r>
-          </a:p>
-          <a:p>
-            <a:r>
-              <a:rPr lang="en-GB" dirty="0"/>
-              <a:t>When the user moves the mouse away from the Polish translation, the original English text is to appear again</a:t>
-            </a:r>
-          </a:p>
-          <a:p>
+            <a:r>
+              <a:rPr lang="pl-PL" dirty="0" err="1"/>
+              <a:t>editor</a:t>
+            </a:r>
+            <a:r>
+              <a:rPr lang="pl-PL" dirty="0"/>
+              <a:t>. </a:t>
+            </a:r>
+            <a:r>
+              <a:rPr lang="pl-PL" dirty="0" err="1"/>
+              <a:t>Try</a:t>
+            </a:r>
+            <a:r>
+              <a:rPr lang="pl-PL" dirty="0"/>
+              <a:t> to a</a:t>
+            </a:r>
+            <a:r>
+              <a:rPr lang="en-US" dirty="0" err="1"/>
+              <a:t>nalyze</a:t>
+            </a:r>
+            <a:r>
+              <a:rPr lang="en-US" dirty="0"/>
+              <a:t> </a:t>
+            </a:r>
+            <a:r>
+              <a:rPr lang="pl-PL" dirty="0"/>
+              <a:t>the JavaScript </a:t>
+            </a:r>
+            <a:r>
+              <a:rPr lang="en-US" dirty="0"/>
+              <a:t>program to learn how the change was made to the text in the element </a:t>
+            </a:r>
+            <a:r>
+              <a:rPr lang="en-US" dirty="0" err="1"/>
+              <a:t>h3</a:t>
+            </a:r>
+            <a:r>
+              <a:rPr lang="en-US" dirty="0"/>
+              <a:t>.</a:t>
+            </a:r>
+            <a:r>
+              <a:rPr lang="pl-PL" dirty="0"/>
+              <a:t> </a:t>
+            </a:r>
+            <a:r>
+              <a:rPr lang="pl-PL" dirty="0" err="1"/>
+              <a:t>You</a:t>
+            </a:r>
+            <a:r>
+              <a:rPr lang="pl-PL" dirty="0"/>
+              <a:t> </a:t>
+            </a:r>
+            <a:r>
+              <a:rPr lang="pl-PL" dirty="0" err="1"/>
+              <a:t>can</a:t>
+            </a:r>
+            <a:r>
+              <a:rPr lang="pl-PL" dirty="0"/>
+              <a:t> </a:t>
+            </a:r>
+            <a:r>
+              <a:rPr lang="pl-PL" dirty="0" err="1"/>
+              <a:t>use</a:t>
+            </a:r>
+            <a:r>
+              <a:rPr lang="pl-PL" dirty="0"/>
+              <a:t> the </a:t>
+            </a:r>
+            <a:r>
+              <a:rPr lang="pl-PL" dirty="0" err="1"/>
+              <a:t>sample</a:t>
+            </a:r>
+            <a:r>
+              <a:rPr lang="pl-PL" dirty="0"/>
+              <a:t> program </a:t>
+            </a:r>
+            <a:r>
+              <a:rPr lang="pl-PL" dirty="0" err="1"/>
+              <a:t>available</a:t>
+            </a:r>
+            <a:r>
+              <a:rPr lang="pl-PL" dirty="0"/>
+              <a:t> on the </a:t>
+            </a:r>
+            <a:r>
+              <a:rPr lang="pl-PL" dirty="0" err="1"/>
+              <a:t>w3schools</a:t>
+            </a:r>
+            <a:r>
+              <a:rPr lang="pl-PL" dirty="0"/>
+              <a:t> </a:t>
+            </a:r>
+            <a:r>
+              <a:rPr lang="pl-PL" dirty="0" err="1"/>
+              <a:t>website</a:t>
+            </a:r>
+            <a:r>
+              <a:rPr lang="pl-PL" dirty="0"/>
+              <a:t>:</a:t>
+            </a:r>
+            <a:br>
+              <a:rPr lang="pl-PL" dirty="0"/>
+            </a:br>
+            <a:r>
+              <a:rPr lang="pl-PL" dirty="0">
+                <a:hlinkClick r:id="rId2"/>
+              </a:rPr>
+              <a:t>https://www.w3schools.com/jsref/tryit.asp?filename=tryjsref_onmouseover</a:t>
+            </a:r>
+            <a:r>
+              <a:rPr lang="pl-PL" dirty="0"/>
+              <a:t> </a:t>
+            </a:r>
+          </a:p>
+          <a:p>
+            <a:r>
+              <a:rPr lang="en-US" dirty="0"/>
+              <a:t>Add new program functionality so that after removing the mouse pointer from the text, the original text in English will reappear.</a:t>
+            </a:r>
+            <a:r>
+              <a:rPr lang="pl-PL" dirty="0"/>
+              <a:t> </a:t>
+            </a:r>
             <a:r>
               <a:rPr lang="en-GB" dirty="0"/>
               <a:t>See </a:t>
             </a:r>
             <a:r>
               <a:rPr lang="en-GB" dirty="0">
-                <a:hlinkClick r:id="rId2"/>
+                <a:hlinkClick r:id="rId3"/>
               </a:rPr>
               <a:t>JavaScript Events</a:t>
             </a:r>
